--- a/Project_PPT.pptx
+++ b/Project_PPT.pptx
@@ -5,7 +5,7 @@
     <p:sldMasterId id="2147483660" r:id="rId1"/>
   </p:sldMasterIdLst>
   <p:notesMasterIdLst>
-    <p:notesMasterId r:id="rId24"/>
+    <p:notesMasterId r:id="rId26"/>
   </p:notesMasterIdLst>
   <p:sldIdLst>
     <p:sldId id="256" r:id="rId2"/>
@@ -28,8 +28,10 @@
     <p:sldId id="266" r:id="rId19"/>
     <p:sldId id="280" r:id="rId20"/>
     <p:sldId id="278" r:id="rId21"/>
-    <p:sldId id="281" r:id="rId22"/>
-    <p:sldId id="267" r:id="rId23"/>
+    <p:sldId id="286" r:id="rId22"/>
+    <p:sldId id="285" r:id="rId23"/>
+    <p:sldId id="281" r:id="rId24"/>
+    <p:sldId id="267" r:id="rId25"/>
   </p:sldIdLst>
   <p:sldSz cx="12192000" cy="6858000"/>
   <p:notesSz cx="6858000" cy="9144000"/>
@@ -134,18 +136,6 @@
     </p:ext>
   </p:extLst>
 </p:presentation>
-</file>
-
-<file path=ppt/revisionInfo.xml><?xml version="1.0" encoding="utf-8"?>
-<p1510:revInfo xmlns:a="http://schemas.openxmlformats.org/drawingml/2006/main" xmlns:r="http://schemas.openxmlformats.org/officeDocument/2006/relationships" xmlns:p1510="http://schemas.microsoft.com/office/powerpoint/2015/10/main">
-  <p1510:revLst>
-    <p1510:client id="{3D65EC93-6CBB-4583-A4C9-E81156CCA8D2}" v="8" dt="2023-01-17T10:32:46.282"/>
-    <p1510:client id="{5415E10F-CC2F-096F-3B0F-6235857F9509}" v="163" dt="2023-01-17T02:51:45.362"/>
-    <p1510:client id="{6AFDAA20-58C8-C2EB-668D-85E27F0BB0CB}" v="1" dt="2023-01-17T09:09:06.411"/>
-    <p1510:client id="{906F1661-04D7-4967-98F0-55707C4C7EAC}" v="1" dt="2023-01-17T06:16:29.061"/>
-    <p1510:client id="{C5856029-04F5-476C-AE4D-CF5D1F517265}" v="9" dt="2023-01-17T09:19:03.812"/>
-  </p1510:revLst>
-</p1510:revInfo>
 </file>
 
 <file path=ppt/diagrams/colors1.xml><?xml version="1.0" encoding="utf-8"?>
@@ -4941,7 +4931,7 @@
           <a:p>
             <a:fld id="{37619299-C94C-4E99-A105-DD631AF4B86D}" type="datetimeFigureOut">
               <a:rPr lang="en-IN" smtClean="0"/>
-              <a:t>17-01-2023</a:t>
+              <a:t>20-01-2023</a:t>
             </a:fld>
             <a:endParaRPr lang="en-IN"/>
           </a:p>
@@ -5253,73 +5243,6 @@
           <a:bodyPr/>
           <a:lstStyle/>
           <a:p>
-            <a:r>
-              <a:rPr lang="en-IN" dirty="0"/>
-              <a:t>Constraint diagram - </a:t>
-            </a:r>
-            <a:r>
-              <a:rPr lang="en-US" b="0" i="0" dirty="0">
-                <a:solidFill>
-                  <a:srgbClr val="2E2E2E"/>
-                </a:solidFill>
-                <a:effectLst/>
-                <a:latin typeface="NexusSans"/>
-              </a:rPr>
-              <a:t>A constraint block is a special kind of block used to define equations so that they can be reused and interconnected. Constraint blocks have two main features: a set of parameters and an expression that constrains those parameters.</a:t>
-            </a:r>
-          </a:p>
-          <a:p>
-            <a:r>
-              <a:rPr lang="en-US" b="0" i="0" dirty="0">
-                <a:solidFill>
-                  <a:srgbClr val="2E2E2E"/>
-                </a:solidFill>
-                <a:effectLst/>
-                <a:latin typeface="NexusSans"/>
-              </a:rPr>
-              <a:t>Parametric – To define the relationship </a:t>
-            </a:r>
-            <a:r>
-              <a:rPr lang="en-US" b="0" i="0" dirty="0" err="1">
-                <a:solidFill>
-                  <a:srgbClr val="2E2E2E"/>
-                </a:solidFill>
-                <a:effectLst/>
-                <a:latin typeface="NexusSans"/>
-              </a:rPr>
-              <a:t>bw</a:t>
-            </a:r>
-            <a:r>
-              <a:rPr lang="en-US" b="0" i="0" dirty="0">
-                <a:solidFill>
-                  <a:srgbClr val="2E2E2E"/>
-                </a:solidFill>
-                <a:effectLst/>
-                <a:latin typeface="NexusSans"/>
-              </a:rPr>
-              <a:t> the constraint parameters</a:t>
-            </a:r>
-          </a:p>
-          <a:p>
-            <a:endParaRPr lang="en-US" b="0" i="0" dirty="0">
-              <a:solidFill>
-                <a:srgbClr val="2E2E2E"/>
-              </a:solidFill>
-              <a:effectLst/>
-              <a:latin typeface="NexusSans"/>
-            </a:endParaRPr>
-          </a:p>
-          <a:p>
-            <a:r>
-              <a:rPr lang="en-US" b="0" i="0" dirty="0">
-                <a:solidFill>
-                  <a:srgbClr val="2E2E2E"/>
-                </a:solidFill>
-                <a:effectLst/>
-                <a:latin typeface="NexusSans"/>
-              </a:rPr>
-              <a:t>Fuel in tank = tank capacity * odm marking/total number of odometer lines</a:t>
-            </a:r>
             <a:endParaRPr lang="en-IN" dirty="0"/>
           </a:p>
         </p:txBody>
@@ -5558,7 +5481,7 @@
           <a:p>
             <a:fld id="{CC733658-F627-40B8-B9B3-D18620E69C20}" type="datetimeFigureOut">
               <a:rPr lang="en-IN" smtClean="0"/>
-              <a:t>17-01-2023</a:t>
+              <a:t>20-01-2023</a:t>
             </a:fld>
             <a:endParaRPr lang="en-IN"/>
           </a:p>
@@ -5636,13 +5559,13 @@
   <p:clrMapOvr>
     <a:masterClrMapping/>
   </p:clrMapOvr>
-  <mc:AlternateContent xmlns:mc="http://schemas.openxmlformats.org/markup-compatibility/2006">
-    <mc:Choice xmlns:p14="http://schemas.microsoft.com/office/powerpoint/2010/main" Requires="p14">
+  <mc:AlternateContent xmlns:mc="http://schemas.openxmlformats.org/markup-compatibility/2006" xmlns:p14="http://schemas.microsoft.com/office/powerpoint/2010/main">
+    <mc:Choice Requires="p14">
       <p:transition spd="med" p14:dur="700">
         <p:fade/>
       </p:transition>
     </mc:Choice>
-    <mc:Fallback>
+    <mc:Fallback xmlns="">
       <p:transition spd="med">
         <p:fade/>
       </p:transition>
@@ -5758,7 +5681,7 @@
           <a:p>
             <a:fld id="{CC733658-F627-40B8-B9B3-D18620E69C20}" type="datetimeFigureOut">
               <a:rPr lang="en-IN" smtClean="0"/>
-              <a:t>17-01-2023</a:t>
+              <a:t>20-01-2023</a:t>
             </a:fld>
             <a:endParaRPr lang="en-IN"/>
           </a:p>
@@ -5816,13 +5739,13 @@
   <p:clrMapOvr>
     <a:masterClrMapping/>
   </p:clrMapOvr>
-  <mc:AlternateContent xmlns:mc="http://schemas.openxmlformats.org/markup-compatibility/2006">
-    <mc:Choice xmlns:p14="http://schemas.microsoft.com/office/powerpoint/2010/main" Requires="p14">
+  <mc:AlternateContent xmlns:mc="http://schemas.openxmlformats.org/markup-compatibility/2006" xmlns:p14="http://schemas.microsoft.com/office/powerpoint/2010/main">
+    <mc:Choice Requires="p14">
       <p:transition spd="med" p14:dur="700">
         <p:fade/>
       </p:transition>
     </mc:Choice>
-    <mc:Fallback>
+    <mc:Fallback xmlns="">
       <p:transition spd="med">
         <p:fade/>
       </p:transition>
@@ -5948,7 +5871,7 @@
           <a:p>
             <a:fld id="{CC733658-F627-40B8-B9B3-D18620E69C20}" type="datetimeFigureOut">
               <a:rPr lang="en-IN" smtClean="0"/>
-              <a:t>17-01-2023</a:t>
+              <a:t>20-01-2023</a:t>
             </a:fld>
             <a:endParaRPr lang="en-IN"/>
           </a:p>
@@ -6006,13 +5929,13 @@
   <p:clrMapOvr>
     <a:masterClrMapping/>
   </p:clrMapOvr>
-  <mc:AlternateContent xmlns:mc="http://schemas.openxmlformats.org/markup-compatibility/2006">
-    <mc:Choice xmlns:p14="http://schemas.microsoft.com/office/powerpoint/2010/main" Requires="p14">
+  <mc:AlternateContent xmlns:mc="http://schemas.openxmlformats.org/markup-compatibility/2006" xmlns:p14="http://schemas.microsoft.com/office/powerpoint/2010/main">
+    <mc:Choice Requires="p14">
       <p:transition spd="med" p14:dur="700">
         <p:fade/>
       </p:transition>
     </mc:Choice>
-    <mc:Fallback>
+    <mc:Fallback xmlns="">
       <p:transition spd="med">
         <p:fade/>
       </p:transition>
@@ -6166,7 +6089,7 @@
           <a:p>
             <a:fld id="{CC733658-F627-40B8-B9B3-D18620E69C20}" type="datetimeFigureOut">
               <a:rPr lang="en-IN" smtClean="0"/>
-              <a:t>17-01-2023</a:t>
+              <a:t>20-01-2023</a:t>
             </a:fld>
             <a:endParaRPr lang="en-IN"/>
           </a:p>
@@ -6224,13 +6147,13 @@
   <p:clrMapOvr>
     <a:masterClrMapping/>
   </p:clrMapOvr>
-  <mc:AlternateContent xmlns:mc="http://schemas.openxmlformats.org/markup-compatibility/2006">
-    <mc:Choice xmlns:p14="http://schemas.microsoft.com/office/powerpoint/2010/main" Requires="p14">
+  <mc:AlternateContent xmlns:mc="http://schemas.openxmlformats.org/markup-compatibility/2006" xmlns:p14="http://schemas.microsoft.com/office/powerpoint/2010/main">
+    <mc:Choice Requires="p14">
       <p:transition spd="med" p14:dur="700">
         <p:fade/>
       </p:transition>
     </mc:Choice>
-    <mc:Fallback>
+    <mc:Fallback xmlns="">
       <p:transition spd="med">
         <p:fade/>
       </p:transition>
@@ -6433,7 +6356,7 @@
           <a:p>
             <a:fld id="{CC733658-F627-40B8-B9B3-D18620E69C20}" type="datetimeFigureOut">
               <a:rPr lang="en-IN" smtClean="0"/>
-              <a:t>17-01-2023</a:t>
+              <a:t>20-01-2023</a:t>
             </a:fld>
             <a:endParaRPr lang="en-IN"/>
           </a:p>
@@ -6491,13 +6414,13 @@
   <p:clrMapOvr>
     <a:masterClrMapping/>
   </p:clrMapOvr>
-  <mc:AlternateContent xmlns:mc="http://schemas.openxmlformats.org/markup-compatibility/2006">
-    <mc:Choice xmlns:p14="http://schemas.microsoft.com/office/powerpoint/2010/main" Requires="p14">
+  <mc:AlternateContent xmlns:mc="http://schemas.openxmlformats.org/markup-compatibility/2006" xmlns:p14="http://schemas.microsoft.com/office/powerpoint/2010/main">
+    <mc:Choice Requires="p14">
       <p:transition spd="med" p14:dur="700">
         <p:fade/>
       </p:transition>
     </mc:Choice>
-    <mc:Fallback>
+    <mc:Fallback xmlns="">
       <p:transition spd="med">
         <p:fade/>
       </p:transition>
@@ -6730,7 +6653,7 @@
           <a:p>
             <a:fld id="{CC733658-F627-40B8-B9B3-D18620E69C20}" type="datetimeFigureOut">
               <a:rPr lang="en-IN" smtClean="0"/>
-              <a:t>17-01-2023</a:t>
+              <a:t>20-01-2023</a:t>
             </a:fld>
             <a:endParaRPr lang="en-IN"/>
           </a:p>
@@ -6788,13 +6711,13 @@
   <p:clrMapOvr>
     <a:masterClrMapping/>
   </p:clrMapOvr>
-  <mc:AlternateContent xmlns:mc="http://schemas.openxmlformats.org/markup-compatibility/2006">
-    <mc:Choice xmlns:p14="http://schemas.microsoft.com/office/powerpoint/2010/main" Requires="p14">
+  <mc:AlternateContent xmlns:mc="http://schemas.openxmlformats.org/markup-compatibility/2006" xmlns:p14="http://schemas.microsoft.com/office/powerpoint/2010/main">
+    <mc:Choice Requires="p14">
       <p:transition spd="med" p14:dur="700">
         <p:fade/>
       </p:transition>
     </mc:Choice>
-    <mc:Fallback>
+    <mc:Fallback xmlns="">
       <p:transition spd="med">
         <p:fade/>
       </p:transition>
@@ -7177,7 +7100,7 @@
           <a:p>
             <a:fld id="{CC733658-F627-40B8-B9B3-D18620E69C20}" type="datetimeFigureOut">
               <a:rPr lang="en-IN" smtClean="0"/>
-              <a:t>17-01-2023</a:t>
+              <a:t>20-01-2023</a:t>
             </a:fld>
             <a:endParaRPr lang="en-IN"/>
           </a:p>
@@ -7235,13 +7158,13 @@
   <p:clrMapOvr>
     <a:masterClrMapping/>
   </p:clrMapOvr>
-  <mc:AlternateContent xmlns:mc="http://schemas.openxmlformats.org/markup-compatibility/2006">
-    <mc:Choice xmlns:p14="http://schemas.microsoft.com/office/powerpoint/2010/main" Requires="p14">
+  <mc:AlternateContent xmlns:mc="http://schemas.openxmlformats.org/markup-compatibility/2006" xmlns:p14="http://schemas.microsoft.com/office/powerpoint/2010/main">
+    <mc:Choice Requires="p14">
       <p:transition spd="med" p14:dur="700">
         <p:fade/>
       </p:transition>
     </mc:Choice>
-    <mc:Fallback>
+    <mc:Fallback xmlns="">
       <p:transition spd="med">
         <p:fade/>
       </p:transition>
@@ -7306,7 +7229,7 @@
           <a:p>
             <a:fld id="{CC733658-F627-40B8-B9B3-D18620E69C20}" type="datetimeFigureOut">
               <a:rPr lang="en-IN" smtClean="0"/>
-              <a:t>17-01-2023</a:t>
+              <a:t>20-01-2023</a:t>
             </a:fld>
             <a:endParaRPr lang="en-IN"/>
           </a:p>
@@ -7364,13 +7287,13 @@
   <p:clrMapOvr>
     <a:masterClrMapping/>
   </p:clrMapOvr>
-  <mc:AlternateContent xmlns:mc="http://schemas.openxmlformats.org/markup-compatibility/2006">
-    <mc:Choice xmlns:p14="http://schemas.microsoft.com/office/powerpoint/2010/main" Requires="p14">
+  <mc:AlternateContent xmlns:mc="http://schemas.openxmlformats.org/markup-compatibility/2006" xmlns:p14="http://schemas.microsoft.com/office/powerpoint/2010/main">
+    <mc:Choice Requires="p14">
       <p:transition spd="med" p14:dur="700">
         <p:fade/>
       </p:transition>
     </mc:Choice>
-    <mc:Fallback>
+    <mc:Fallback xmlns="">
       <p:transition spd="med">
         <p:fade/>
       </p:transition>
@@ -7413,7 +7336,7 @@
           <a:p>
             <a:fld id="{CC733658-F627-40B8-B9B3-D18620E69C20}" type="datetimeFigureOut">
               <a:rPr lang="en-IN" smtClean="0"/>
-              <a:t>17-01-2023</a:t>
+              <a:t>20-01-2023</a:t>
             </a:fld>
             <a:endParaRPr lang="en-IN"/>
           </a:p>
@@ -7471,13 +7394,13 @@
   <p:clrMapOvr>
     <a:masterClrMapping/>
   </p:clrMapOvr>
-  <mc:AlternateContent xmlns:mc="http://schemas.openxmlformats.org/markup-compatibility/2006">
-    <mc:Choice xmlns:p14="http://schemas.microsoft.com/office/powerpoint/2010/main" Requires="p14">
+  <mc:AlternateContent xmlns:mc="http://schemas.openxmlformats.org/markup-compatibility/2006" xmlns:p14="http://schemas.microsoft.com/office/powerpoint/2010/main">
+    <mc:Choice Requires="p14">
       <p:transition spd="med" p14:dur="700">
         <p:fade/>
       </p:transition>
     </mc:Choice>
-    <mc:Fallback>
+    <mc:Fallback xmlns="">
       <p:transition spd="med">
         <p:fade/>
       </p:transition>
@@ -7779,7 +7702,7 @@
           <a:p>
             <a:fld id="{CC733658-F627-40B8-B9B3-D18620E69C20}" type="datetimeFigureOut">
               <a:rPr lang="en-IN" smtClean="0"/>
-              <a:t>17-01-2023</a:t>
+              <a:t>20-01-2023</a:t>
             </a:fld>
             <a:endParaRPr lang="en-IN"/>
           </a:p>
@@ -7847,13 +7770,13 @@
   <p:clrMapOvr>
     <a:masterClrMapping/>
   </p:clrMapOvr>
-  <mc:AlternateContent xmlns:mc="http://schemas.openxmlformats.org/markup-compatibility/2006">
-    <mc:Choice xmlns:p14="http://schemas.microsoft.com/office/powerpoint/2010/main" Requires="p14">
+  <mc:AlternateContent xmlns:mc="http://schemas.openxmlformats.org/markup-compatibility/2006" xmlns:p14="http://schemas.microsoft.com/office/powerpoint/2010/main">
+    <mc:Choice Requires="p14">
       <p:transition spd="med" p14:dur="700">
         <p:fade/>
       </p:transition>
     </mc:Choice>
-    <mc:Fallback>
+    <mc:Fallback xmlns="">
       <p:transition spd="med">
         <p:fade/>
       </p:transition>
@@ -8105,7 +8028,7 @@
           <a:p>
             <a:fld id="{CC733658-F627-40B8-B9B3-D18620E69C20}" type="datetimeFigureOut">
               <a:rPr lang="en-IN" smtClean="0"/>
-              <a:t>17-01-2023</a:t>
+              <a:t>20-01-2023</a:t>
             </a:fld>
             <a:endParaRPr lang="en-IN"/>
           </a:p>
@@ -8183,13 +8106,13 @@
   <p:clrMapOvr>
     <a:overrideClrMapping bg1="lt1" tx1="dk1" bg2="lt2" tx2="dk2" accent1="accent1" accent2="accent2" accent3="accent3" accent4="accent4" accent5="accent5" accent6="accent6" hlink="hlink" folHlink="folHlink"/>
   </p:clrMapOvr>
-  <mc:AlternateContent xmlns:mc="http://schemas.openxmlformats.org/markup-compatibility/2006">
-    <mc:Choice xmlns:p14="http://schemas.microsoft.com/office/powerpoint/2010/main" Requires="p14">
+  <mc:AlternateContent xmlns:mc="http://schemas.openxmlformats.org/markup-compatibility/2006" xmlns:p14="http://schemas.microsoft.com/office/powerpoint/2010/main">
+    <mc:Choice Requires="p14">
       <p:transition spd="med" p14:dur="700">
         <p:fade/>
       </p:transition>
     </mc:Choice>
-    <mc:Fallback>
+    <mc:Fallback xmlns="">
       <p:transition spd="med">
         <p:fade/>
       </p:transition>
@@ -8348,7 +8271,7 @@
           <a:p>
             <a:fld id="{CC733658-F627-40B8-B9B3-D18620E69C20}" type="datetimeFigureOut">
               <a:rPr lang="en-IN" smtClean="0"/>
-              <a:t>17-01-2023</a:t>
+              <a:t>20-01-2023</a:t>
             </a:fld>
             <a:endParaRPr lang="en-IN"/>
           </a:p>
@@ -8457,13 +8380,13 @@
     <p:sldLayoutId id="2147483670" r:id="rId10"/>
     <p:sldLayoutId id="2147483671" r:id="rId11"/>
   </p:sldLayoutIdLst>
-  <mc:AlternateContent xmlns:mc="http://schemas.openxmlformats.org/markup-compatibility/2006">
-    <mc:Choice xmlns:p14="http://schemas.microsoft.com/office/powerpoint/2010/main" Requires="p14">
+  <mc:AlternateContent xmlns:mc="http://schemas.openxmlformats.org/markup-compatibility/2006" xmlns:p14="http://schemas.microsoft.com/office/powerpoint/2010/main">
+    <mc:Choice Requires="p14">
       <p:transition spd="med" p14:dur="700">
         <p:fade/>
       </p:transition>
     </mc:Choice>
-    <mc:Fallback>
+    <mc:Fallback xmlns="">
       <p:transition spd="med">
         <p:fade/>
       </p:transition>
@@ -8852,19 +8775,19 @@
         </p:nvSpPr>
         <p:spPr>
           <a:xfrm>
-            <a:off x="1524000" y="3965510"/>
+            <a:off x="589935" y="3768062"/>
             <a:ext cx="9144000" cy="2444620"/>
           </a:xfrm>
         </p:spPr>
         <p:txBody>
           <a:bodyPr>
-            <a:normAutofit/>
+            <a:noAutofit/>
           </a:bodyPr>
           <a:lstStyle/>
           <a:p>
             <a:pPr algn="l"/>
             <a:r>
-              <a:rPr lang="en-IN" sz="1600">
+              <a:rPr lang="en-IN" sz="1500" dirty="0">
                 <a:latin typeface="Times New Roman" panose="02020603050405020304" pitchFamily="18" charset="0"/>
                 <a:cs typeface="Times New Roman" panose="02020603050405020304" pitchFamily="18" charset="0"/>
               </a:rPr>
@@ -8874,20 +8797,20 @@
           <a:p>
             <a:pPr algn="l"/>
             <a:r>
-              <a:rPr lang="en-IN" sz="1600">
+              <a:rPr lang="en-IN" sz="1500" dirty="0">
                 <a:latin typeface="Times New Roman" panose="02020603050405020304" pitchFamily="18" charset="0"/>
                 <a:cs typeface="Times New Roman" panose="02020603050405020304" pitchFamily="18" charset="0"/>
               </a:rPr>
               <a:t>Supadma </a:t>
             </a:r>
             <a:r>
-              <a:rPr lang="en-IN" sz="1600" err="1">
+              <a:rPr lang="en-IN" sz="1500" dirty="0" err="1">
                 <a:latin typeface="Times New Roman" panose="02020603050405020304" pitchFamily="18" charset="0"/>
                 <a:cs typeface="Times New Roman" panose="02020603050405020304" pitchFamily="18" charset="0"/>
               </a:rPr>
               <a:t>Kadabi</a:t>
             </a:r>
-            <a:endParaRPr lang="en-IN" sz="1600">
+            <a:endParaRPr lang="en-IN" sz="1500" dirty="0">
               <a:latin typeface="Times New Roman" panose="02020603050405020304" pitchFamily="18" charset="0"/>
               <a:cs typeface="Times New Roman" panose="02020603050405020304" pitchFamily="18" charset="0"/>
             </a:endParaRPr>
@@ -8895,7 +8818,7 @@
           <a:p>
             <a:pPr algn="l"/>
             <a:r>
-              <a:rPr lang="en-IN" sz="1600">
+              <a:rPr lang="en-IN" sz="1500" dirty="0">
                 <a:latin typeface="Times New Roman" panose="02020603050405020304" pitchFamily="18" charset="0"/>
                 <a:cs typeface="Times New Roman" panose="02020603050405020304" pitchFamily="18" charset="0"/>
               </a:rPr>
@@ -8905,7 +8828,7 @@
           <a:p>
             <a:pPr algn="l"/>
             <a:r>
-              <a:rPr lang="en-IN" sz="1600">
+              <a:rPr lang="en-IN" sz="1500" dirty="0">
                 <a:latin typeface="Times New Roman" panose="02020603050405020304" pitchFamily="18" charset="0"/>
                 <a:cs typeface="Times New Roman" panose="02020603050405020304" pitchFamily="18" charset="0"/>
               </a:rPr>
@@ -8915,20 +8838,92 @@
           <a:p>
             <a:pPr algn="l"/>
             <a:r>
-              <a:rPr lang="en-IN" sz="1600">
+              <a:rPr lang="en-IN" sz="1500" dirty="0">
                 <a:latin typeface="Times New Roman" panose="02020603050405020304" pitchFamily="18" charset="0"/>
                 <a:cs typeface="Times New Roman" panose="02020603050405020304" pitchFamily="18" charset="0"/>
               </a:rPr>
               <a:t>Hamida </a:t>
             </a:r>
             <a:r>
-              <a:rPr lang="en-IN" sz="1600" err="1">
+              <a:rPr lang="en-IN" sz="1500" dirty="0" err="1">
                 <a:latin typeface="Times New Roman" panose="02020603050405020304" pitchFamily="18" charset="0"/>
                 <a:cs typeface="Times New Roman" panose="02020603050405020304" pitchFamily="18" charset="0"/>
               </a:rPr>
               <a:t>Aliveya</a:t>
             </a:r>
-            <a:endParaRPr lang="en-IN" sz="1600">
+            <a:endParaRPr lang="en-IN" sz="1500" dirty="0">
+              <a:latin typeface="Times New Roman" panose="02020603050405020304" pitchFamily="18" charset="0"/>
+              <a:cs typeface="Times New Roman" panose="02020603050405020304" pitchFamily="18" charset="0"/>
+            </a:endParaRPr>
+          </a:p>
+          <a:p>
+            <a:pPr algn="l"/>
+            <a:endParaRPr lang="en-IN" sz="1500" dirty="0">
+              <a:latin typeface="Times New Roman" panose="02020603050405020304" pitchFamily="18" charset="0"/>
+              <a:cs typeface="Times New Roman" panose="02020603050405020304" pitchFamily="18" charset="0"/>
+            </a:endParaRPr>
+          </a:p>
+          <a:p>
+            <a:pPr algn="l"/>
+            <a:r>
+              <a:rPr lang="en-IN" sz="1500" dirty="0">
+                <a:latin typeface="Times New Roman" panose="02020603050405020304" pitchFamily="18" charset="0"/>
+                <a:cs typeface="Times New Roman" panose="02020603050405020304" pitchFamily="18" charset="0"/>
+              </a:rPr>
+              <a:t>Git: </a:t>
+            </a:r>
+            <a:r>
+              <a:rPr lang="en-IN" sz="1500" dirty="0">
+                <a:latin typeface="Times New Roman" panose="02020603050405020304" pitchFamily="18" charset="0"/>
+                <a:cs typeface="Times New Roman" panose="02020603050405020304" pitchFamily="18" charset="0"/>
+                <a:hlinkClick r:id="rId2"/>
+              </a:rPr>
+              <a:t>https://github.com/VibhaHippargi/ESE_SmartCity</a:t>
+            </a:r>
+            <a:endParaRPr lang="en-IN" sz="1500" dirty="0">
+              <a:latin typeface="Times New Roman" panose="02020603050405020304" pitchFamily="18" charset="0"/>
+              <a:cs typeface="Times New Roman" panose="02020603050405020304" pitchFamily="18" charset="0"/>
+            </a:endParaRPr>
+          </a:p>
+          <a:p>
+            <a:pPr algn="l"/>
+            <a:r>
+              <a:rPr lang="en-IN" sz="1500" dirty="0" err="1">
+                <a:latin typeface="Times New Roman" panose="02020603050405020304" pitchFamily="18" charset="0"/>
+                <a:cs typeface="Times New Roman" panose="02020603050405020304" pitchFamily="18" charset="0"/>
+              </a:rPr>
+              <a:t>TinkerCad</a:t>
+            </a:r>
+            <a:r>
+              <a:rPr lang="en-IN" sz="1500" dirty="0">
+                <a:latin typeface="Times New Roman" panose="02020603050405020304" pitchFamily="18" charset="0"/>
+                <a:cs typeface="Times New Roman" panose="02020603050405020304" pitchFamily="18" charset="0"/>
+              </a:rPr>
+              <a:t>: </a:t>
+            </a:r>
+            <a:r>
+              <a:rPr lang="en-IN" sz="1500" dirty="0">
+                <a:latin typeface="Times New Roman" panose="02020603050405020304" pitchFamily="18" charset="0"/>
+                <a:cs typeface="Times New Roman" panose="02020603050405020304" pitchFamily="18" charset="0"/>
+                <a:hlinkClick r:id="rId3"/>
+              </a:rPr>
+              <a:t>https://www.tinkercad.com/things/bVgn3KlB4Fw?sharecode=xnIgK360KLeYYH-lOFKQRjDNJV30t0tzFYQwTk_7K0Q</a:t>
+            </a:r>
+            <a:endParaRPr lang="en-IN" sz="1500" dirty="0">
+              <a:latin typeface="Times New Roman" panose="02020603050405020304" pitchFamily="18" charset="0"/>
+              <a:cs typeface="Times New Roman" panose="02020603050405020304" pitchFamily="18" charset="0"/>
+            </a:endParaRPr>
+          </a:p>
+          <a:p>
+            <a:pPr algn="l"/>
+            <a:endParaRPr lang="en-IN" sz="1500" dirty="0">
+              <a:latin typeface="Times New Roman" panose="02020603050405020304" pitchFamily="18" charset="0"/>
+              <a:cs typeface="Times New Roman" panose="02020603050405020304" pitchFamily="18" charset="0"/>
+            </a:endParaRPr>
+          </a:p>
+          <a:p>
+            <a:pPr algn="l"/>
+            <a:endParaRPr lang="en-IN" sz="1500" dirty="0">
               <a:latin typeface="Times New Roman" panose="02020603050405020304" pitchFamily="18" charset="0"/>
               <a:cs typeface="Times New Roman" panose="02020603050405020304" pitchFamily="18" charset="0"/>
             </a:endParaRPr>
@@ -8950,7 +8945,7 @@
           <p:nvPr/>
         </p:nvPicPr>
         <p:blipFill>
-          <a:blip r:embed="rId2">
+          <a:blip r:embed="rId4">
             <a:extLst>
               <a:ext uri="{28A0092B-C50C-407E-A947-70E740481C1C}">
                 <a14:useLocalDpi xmlns:a14="http://schemas.microsoft.com/office/drawing/2010/main" val="0"/>
@@ -8992,13 +8987,13 @@
   <p:clrMapOvr>
     <a:masterClrMapping/>
   </p:clrMapOvr>
-  <mc:AlternateContent xmlns:mc="http://schemas.openxmlformats.org/markup-compatibility/2006">
-    <mc:Choice xmlns:p14="http://schemas.microsoft.com/office/powerpoint/2010/main" Requires="p14">
+  <mc:AlternateContent xmlns:mc="http://schemas.openxmlformats.org/markup-compatibility/2006" xmlns:p14="http://schemas.microsoft.com/office/powerpoint/2010/main">
+    <mc:Choice Requires="p14">
       <p:transition spd="med" p14:dur="700">
         <p:fade/>
       </p:transition>
     </mc:Choice>
-    <mc:Fallback>
+    <mc:Fallback xmlns="">
       <p:transition spd="med">
         <p:fade/>
       </p:transition>
@@ -9835,13 +9830,13 @@
   <p:clrMapOvr>
     <a:masterClrMapping/>
   </p:clrMapOvr>
-  <mc:AlternateContent xmlns:mc="http://schemas.openxmlformats.org/markup-compatibility/2006">
-    <mc:Choice xmlns:p14="http://schemas.microsoft.com/office/powerpoint/2010/main" Requires="p14">
+  <mc:AlternateContent xmlns:mc="http://schemas.openxmlformats.org/markup-compatibility/2006" xmlns:p14="http://schemas.microsoft.com/office/powerpoint/2010/main">
+    <mc:Choice Requires="p14">
       <p:transition spd="med" p14:dur="700">
         <p:fade/>
       </p:transition>
     </mc:Choice>
-    <mc:Fallback>
+    <mc:Fallback xmlns="">
       <p:transition spd="med">
         <p:fade/>
       </p:transition>
@@ -9913,13 +9908,13 @@
         </p:nvSpPr>
         <p:spPr>
           <a:xfrm>
-            <a:off x="676656" y="2011680"/>
-            <a:ext cx="10753725" cy="3504217"/>
+            <a:off x="511277" y="2125943"/>
+            <a:ext cx="5761703" cy="3350625"/>
           </a:xfrm>
         </p:spPr>
         <p:txBody>
           <a:bodyPr>
-            <a:normAutofit/>
+            <a:normAutofit fontScale="85000" lnSpcReduction="10000"/>
           </a:bodyPr>
           <a:lstStyle/>
           <a:p>
@@ -9956,6 +9951,53 @@
           </a:p>
         </p:txBody>
       </p:sp>
+      <p:pic>
+        <p:nvPicPr>
+          <p:cNvPr id="5122" name="Picture 2" descr="image">
+            <a:extLst>
+              <a:ext uri="{FF2B5EF4-FFF2-40B4-BE49-F238E27FC236}">
+                <a16:creationId xmlns:a16="http://schemas.microsoft.com/office/drawing/2014/main" id="{B77DF8C1-5B20-5A4F-A5BC-52D22BD6564F}"/>
+              </a:ext>
+            </a:extLst>
+          </p:cNvPr>
+          <p:cNvPicPr>
+            <a:picLocks noChangeAspect="1" noChangeArrowheads="1"/>
+          </p:cNvPicPr>
+          <p:nvPr/>
+        </p:nvPicPr>
+        <p:blipFill>
+          <a:blip r:embed="rId2">
+            <a:extLst>
+              <a:ext uri="{28A0092B-C50C-407E-A947-70E740481C1C}">
+                <a14:useLocalDpi xmlns:a14="http://schemas.microsoft.com/office/drawing/2010/main" val="0"/>
+              </a:ext>
+            </a:extLst>
+          </a:blip>
+          <a:srcRect/>
+          <a:stretch>
+            <a:fillRect/>
+          </a:stretch>
+        </p:blipFill>
+        <p:spPr bwMode="auto">
+          <a:xfrm>
+            <a:off x="6657761" y="1348317"/>
+            <a:ext cx="4772238" cy="5010150"/>
+          </a:xfrm>
+          <a:prstGeom prst="rect">
+            <a:avLst/>
+          </a:prstGeom>
+          <a:noFill/>
+          <a:extLst>
+            <a:ext uri="{909E8E84-426E-40DD-AFC4-6F175D3DCCD1}">
+              <a14:hiddenFill xmlns:a14="http://schemas.microsoft.com/office/drawing/2010/main">
+                <a:solidFill>
+                  <a:srgbClr val="FFFFFF"/>
+                </a:solidFill>
+              </a14:hiddenFill>
+            </a:ext>
+          </a:extLst>
+        </p:spPr>
+      </p:pic>
     </p:spTree>
     <p:extLst>
       <p:ext uri="{BB962C8B-B14F-4D97-AF65-F5344CB8AC3E}">
@@ -9966,13 +10008,13 @@
   <p:clrMapOvr>
     <a:masterClrMapping/>
   </p:clrMapOvr>
-  <mc:AlternateContent xmlns:mc="http://schemas.openxmlformats.org/markup-compatibility/2006">
-    <mc:Choice xmlns:p14="http://schemas.microsoft.com/office/powerpoint/2010/main" Requires="p14">
+  <mc:AlternateContent xmlns:mc="http://schemas.openxmlformats.org/markup-compatibility/2006" xmlns:p14="http://schemas.microsoft.com/office/powerpoint/2010/main">
+    <mc:Choice Requires="p14">
       <p:transition spd="med" p14:dur="700">
         <p:fade/>
       </p:transition>
     </mc:Choice>
-    <mc:Fallback>
+    <mc:Fallback xmlns="">
       <p:transition spd="med">
         <p:fade/>
       </p:transition>
@@ -10907,13 +10949,13 @@
   <p:clrMapOvr>
     <a:masterClrMapping/>
   </p:clrMapOvr>
-  <mc:AlternateContent xmlns:mc="http://schemas.openxmlformats.org/markup-compatibility/2006">
-    <mc:Choice xmlns:p14="http://schemas.microsoft.com/office/powerpoint/2010/main" Requires="p14">
+  <mc:AlternateContent xmlns:mc="http://schemas.openxmlformats.org/markup-compatibility/2006" xmlns:p14="http://schemas.microsoft.com/office/powerpoint/2010/main">
+    <mc:Choice Requires="p14">
       <p:transition spd="med" p14:dur="700">
         <p:fade/>
       </p:transition>
     </mc:Choice>
-    <mc:Fallback>
+    <mc:Fallback xmlns="">
       <p:transition spd="med">
         <p:fade/>
       </p:transition>
@@ -11338,13 +11380,13 @@
   <p:clrMapOvr>
     <a:masterClrMapping/>
   </p:clrMapOvr>
-  <mc:AlternateContent xmlns:mc="http://schemas.openxmlformats.org/markup-compatibility/2006">
-    <mc:Choice xmlns:p14="http://schemas.microsoft.com/office/powerpoint/2010/main" Requires="p14">
+  <mc:AlternateContent xmlns:mc="http://schemas.openxmlformats.org/markup-compatibility/2006" xmlns:p14="http://schemas.microsoft.com/office/powerpoint/2010/main">
+    <mc:Choice Requires="p14">
       <p:transition spd="med" p14:dur="700">
         <p:fade/>
       </p:transition>
     </mc:Choice>
-    <mc:Fallback>
+    <mc:Fallback xmlns="">
       <p:transition spd="med">
         <p:fade/>
       </p:transition>
@@ -11913,13 +11955,13 @@
   <p:clrMapOvr>
     <a:masterClrMapping/>
   </p:clrMapOvr>
-  <mc:AlternateContent xmlns:mc="http://schemas.openxmlformats.org/markup-compatibility/2006">
-    <mc:Choice xmlns:p14="http://schemas.microsoft.com/office/powerpoint/2010/main" Requires="p14">
+  <mc:AlternateContent xmlns:mc="http://schemas.openxmlformats.org/markup-compatibility/2006" xmlns:p14="http://schemas.microsoft.com/office/powerpoint/2010/main">
+    <mc:Choice Requires="p14">
       <p:transition spd="med" p14:dur="700">
         <p:fade/>
       </p:transition>
     </mc:Choice>
-    <mc:Fallback>
+    <mc:Fallback xmlns="">
       <p:transition spd="med">
         <p:fade/>
       </p:transition>
@@ -12160,13 +12202,13 @@
   <p:clrMapOvr>
     <a:masterClrMapping/>
   </p:clrMapOvr>
-  <mc:AlternateContent xmlns:mc="http://schemas.openxmlformats.org/markup-compatibility/2006">
-    <mc:Choice xmlns:p14="http://schemas.microsoft.com/office/powerpoint/2010/main" Requires="p14">
+  <mc:AlternateContent xmlns:mc="http://schemas.openxmlformats.org/markup-compatibility/2006" xmlns:p14="http://schemas.microsoft.com/office/powerpoint/2010/main">
+    <mc:Choice Requires="p14">
       <p:transition spd="med" p14:dur="700">
         <p:fade/>
       </p:transition>
     </mc:Choice>
-    <mc:Fallback>
+    <mc:Fallback xmlns="">
       <p:transition spd="med">
         <p:fade/>
       </p:transition>
@@ -12340,13 +12382,13 @@
   <p:clrMapOvr>
     <a:masterClrMapping/>
   </p:clrMapOvr>
-  <mc:AlternateContent xmlns:mc="http://schemas.openxmlformats.org/markup-compatibility/2006">
-    <mc:Choice xmlns:p14="http://schemas.microsoft.com/office/powerpoint/2010/main" Requires="p14">
+  <mc:AlternateContent xmlns:mc="http://schemas.openxmlformats.org/markup-compatibility/2006" xmlns:p14="http://schemas.microsoft.com/office/powerpoint/2010/main">
+    <mc:Choice Requires="p14">
       <p:transition spd="med" p14:dur="700">
         <p:fade/>
       </p:transition>
     </mc:Choice>
-    <mc:Fallback>
+    <mc:Fallback xmlns="">
       <p:transition spd="med">
         <p:fade/>
       </p:transition>
@@ -12485,13 +12527,13 @@
   <p:clrMapOvr>
     <a:masterClrMapping/>
   </p:clrMapOvr>
-  <mc:AlternateContent xmlns:mc="http://schemas.openxmlformats.org/markup-compatibility/2006">
-    <mc:Choice xmlns:p14="http://schemas.microsoft.com/office/powerpoint/2010/main" Requires="p14">
+  <mc:AlternateContent xmlns:mc="http://schemas.openxmlformats.org/markup-compatibility/2006" xmlns:p14="http://schemas.microsoft.com/office/powerpoint/2010/main">
+    <mc:Choice Requires="p14">
       <p:transition spd="med" p14:dur="700">
         <p:fade/>
       </p:transition>
     </mc:Choice>
-    <mc:Fallback>
+    <mc:Fallback xmlns="">
       <p:transition spd="med">
         <p:fade/>
       </p:transition>
@@ -12684,13 +12726,13 @@
   <p:clrMapOvr>
     <a:masterClrMapping/>
   </p:clrMapOvr>
-  <mc:AlternateContent xmlns:mc="http://schemas.openxmlformats.org/markup-compatibility/2006">
-    <mc:Choice xmlns:p14="http://schemas.microsoft.com/office/powerpoint/2010/main" Requires="p14">
+  <mc:AlternateContent xmlns:mc="http://schemas.openxmlformats.org/markup-compatibility/2006" xmlns:p14="http://schemas.microsoft.com/office/powerpoint/2010/main">
+    <mc:Choice Requires="p14">
       <p:transition spd="med" p14:dur="700">
         <p:fade/>
       </p:transition>
     </mc:Choice>
-    <mc:Fallback>
+    <mc:Fallback xmlns="">
       <p:transition spd="med">
         <p:fade/>
       </p:transition>
@@ -12810,13 +12852,13 @@
   <p:clrMapOvr>
     <a:masterClrMapping/>
   </p:clrMapOvr>
-  <mc:AlternateContent xmlns:mc="http://schemas.openxmlformats.org/markup-compatibility/2006">
-    <mc:Choice xmlns:p14="http://schemas.microsoft.com/office/powerpoint/2010/main" Requires="p14">
+  <mc:AlternateContent xmlns:mc="http://schemas.openxmlformats.org/markup-compatibility/2006" xmlns:p14="http://schemas.microsoft.com/office/powerpoint/2010/main">
+    <mc:Choice Requires="p14">
       <p:transition spd="med" p14:dur="700">
         <p:fade/>
       </p:transition>
     </mc:Choice>
-    <mc:Fallback>
+    <mc:Fallback xmlns="">
       <p:transition spd="med">
         <p:fade/>
       </p:transition>
@@ -12943,13 +12985,13 @@
   <p:clrMapOvr>
     <a:masterClrMapping/>
   </p:clrMapOvr>
-  <mc:AlternateContent xmlns:mc="http://schemas.openxmlformats.org/markup-compatibility/2006">
-    <mc:Choice xmlns:p14="http://schemas.microsoft.com/office/powerpoint/2010/main" Requires="p14">
+  <mc:AlternateContent xmlns:mc="http://schemas.openxmlformats.org/markup-compatibility/2006" xmlns:p14="http://schemas.microsoft.com/office/powerpoint/2010/main">
+    <mc:Choice Requires="p14">
       <p:transition spd="med" p14:dur="700">
         <p:fade/>
       </p:transition>
     </mc:Choice>
-    <mc:Fallback>
+    <mc:Fallback xmlns="">
       <p:transition spd="med">
         <p:fade/>
       </p:transition>
@@ -12997,7 +13039,263 @@
           <a:lstStyle/>
           <a:p>
             <a:r>
-              <a:rPr lang="en-IN" b="1">
+              <a:rPr lang="en-IN" b="1" dirty="0">
+                <a:latin typeface="Times New Roman" panose="02020603050405020304" pitchFamily="18" charset="0"/>
+                <a:cs typeface="Times New Roman" panose="02020603050405020304" pitchFamily="18" charset="0"/>
+              </a:rPr>
+              <a:t>Test cases</a:t>
+            </a:r>
+          </a:p>
+        </p:txBody>
+      </p:sp>
+      <p:sp>
+        <p:nvSpPr>
+          <p:cNvPr id="6" name="Text Placeholder 5">
+            <a:extLst>
+              <a:ext uri="{FF2B5EF4-FFF2-40B4-BE49-F238E27FC236}">
+                <a16:creationId xmlns:a16="http://schemas.microsoft.com/office/drawing/2014/main" id="{06FA51A2-B4CD-6969-306E-E2C77546AD71}"/>
+              </a:ext>
+            </a:extLst>
+          </p:cNvPr>
+          <p:cNvSpPr>
+            <a:spLocks noGrp="1"/>
+          </p:cNvSpPr>
+          <p:nvPr>
+            <p:ph type="body" idx="1"/>
+          </p:nvPr>
+        </p:nvSpPr>
+        <p:spPr/>
+        <p:txBody>
+          <a:bodyPr>
+            <a:normAutofit/>
+          </a:bodyPr>
+          <a:lstStyle/>
+          <a:p>
+            <a:r>
+              <a:rPr lang="en-IN" sz="2400" dirty="0">
+                <a:latin typeface="Times New Roman" panose="02020603050405020304" pitchFamily="18" charset="0"/>
+                <a:cs typeface="Times New Roman" panose="02020603050405020304" pitchFamily="18" charset="0"/>
+              </a:rPr>
+              <a:t>Unit tests</a:t>
+            </a:r>
+          </a:p>
+        </p:txBody>
+      </p:sp>
+      <p:sp>
+        <p:nvSpPr>
+          <p:cNvPr id="7" name="Text Placeholder 6">
+            <a:extLst>
+              <a:ext uri="{FF2B5EF4-FFF2-40B4-BE49-F238E27FC236}">
+                <a16:creationId xmlns:a16="http://schemas.microsoft.com/office/drawing/2014/main" id="{D5CEDDFC-A5DF-8B0A-7DBE-47C7929C44A0}"/>
+              </a:ext>
+            </a:extLst>
+          </p:cNvPr>
+          <p:cNvSpPr>
+            <a:spLocks noGrp="1"/>
+          </p:cNvSpPr>
+          <p:nvPr>
+            <p:ph type="body" sz="quarter" idx="3"/>
+          </p:nvPr>
+        </p:nvSpPr>
+        <p:spPr/>
+        <p:txBody>
+          <a:bodyPr/>
+          <a:lstStyle/>
+          <a:p>
+            <a:r>
+              <a:rPr lang="en-IN" dirty="0">
+                <a:latin typeface="Times New Roman" panose="02020603050405020304" pitchFamily="18" charset="0"/>
+                <a:cs typeface="Times New Roman" panose="02020603050405020304" pitchFamily="18" charset="0"/>
+              </a:rPr>
+              <a:t>Defect test</a:t>
+            </a:r>
+          </a:p>
+        </p:txBody>
+      </p:sp>
+      <p:pic>
+        <p:nvPicPr>
+          <p:cNvPr id="8194" name="Picture 2" descr="image">
+            <a:extLst>
+              <a:ext uri="{FF2B5EF4-FFF2-40B4-BE49-F238E27FC236}">
+                <a16:creationId xmlns:a16="http://schemas.microsoft.com/office/drawing/2014/main" id="{2B66D339-120F-A677-976B-D4D3B06724F0}"/>
+              </a:ext>
+            </a:extLst>
+          </p:cNvPr>
+          <p:cNvPicPr>
+            <a:picLocks noGrp="1" noChangeAspect="1" noChangeArrowheads="1"/>
+          </p:cNvPicPr>
+          <p:nvPr>
+            <p:ph sz="half" idx="2"/>
+          </p:nvPr>
+        </p:nvPicPr>
+        <p:blipFill>
+          <a:blip r:embed="rId2">
+            <a:extLst>
+              <a:ext uri="{28A0092B-C50C-407E-A947-70E740481C1C}">
+                <a14:useLocalDpi xmlns:a14="http://schemas.microsoft.com/office/drawing/2010/main" val="0"/>
+              </a:ext>
+            </a:extLst>
+          </a:blip>
+          <a:srcRect/>
+          <a:stretch>
+            <a:fillRect/>
+          </a:stretch>
+        </p:blipFill>
+        <p:spPr bwMode="auto">
+          <a:xfrm>
+            <a:off x="926093" y="2752725"/>
+            <a:ext cx="4164438" cy="3746398"/>
+          </a:xfrm>
+          <a:prstGeom prst="rect">
+            <a:avLst/>
+          </a:prstGeom>
+          <a:noFill/>
+          <a:extLst>
+            <a:ext uri="{909E8E84-426E-40DD-AFC4-6F175D3DCCD1}">
+              <a14:hiddenFill xmlns:a14="http://schemas.microsoft.com/office/drawing/2010/main">
+                <a:solidFill>
+                  <a:srgbClr val="FFFFFF"/>
+                </a:solidFill>
+              </a14:hiddenFill>
+            </a:ext>
+          </a:extLst>
+        </p:spPr>
+      </p:pic>
+      <p:sp>
+        <p:nvSpPr>
+          <p:cNvPr id="8" name="Content Placeholder 7">
+            <a:extLst>
+              <a:ext uri="{FF2B5EF4-FFF2-40B4-BE49-F238E27FC236}">
+                <a16:creationId xmlns:a16="http://schemas.microsoft.com/office/drawing/2014/main" id="{A54E6AFD-4D56-BF36-8CA7-FD437551799B}"/>
+              </a:ext>
+            </a:extLst>
+          </p:cNvPr>
+          <p:cNvSpPr>
+            <a:spLocks noGrp="1"/>
+          </p:cNvSpPr>
+          <p:nvPr>
+            <p:ph sz="quarter" idx="4"/>
+          </p:nvPr>
+        </p:nvSpPr>
+        <p:spPr/>
+        <p:txBody>
+          <a:bodyPr/>
+          <a:lstStyle/>
+          <a:p>
+            <a:endParaRPr lang="en-IN"/>
+          </a:p>
+        </p:txBody>
+      </p:sp>
+      <p:pic>
+        <p:nvPicPr>
+          <p:cNvPr id="8198" name="Picture 6" descr="image">
+            <a:extLst>
+              <a:ext uri="{FF2B5EF4-FFF2-40B4-BE49-F238E27FC236}">
+                <a16:creationId xmlns:a16="http://schemas.microsoft.com/office/drawing/2014/main" id="{030B67C8-6E89-A9C4-A3E2-C61D0ABF468D}"/>
+              </a:ext>
+            </a:extLst>
+          </p:cNvPr>
+          <p:cNvPicPr>
+            <a:picLocks noChangeAspect="1" noChangeArrowheads="1"/>
+          </p:cNvPicPr>
+          <p:nvPr/>
+        </p:nvPicPr>
+        <p:blipFill rotWithShape="1">
+          <a:blip r:embed="rId3">
+            <a:extLst>
+              <a:ext uri="{28A0092B-C50C-407E-A947-70E740481C1C}">
+                <a14:useLocalDpi xmlns:a14="http://schemas.microsoft.com/office/drawing/2010/main" val="0"/>
+              </a:ext>
+            </a:extLst>
+          </a:blip>
+          <a:srcRect l="171" t="-1262" r="34644" b="1262"/>
+          <a:stretch/>
+        </p:blipFill>
+        <p:spPr bwMode="auto">
+          <a:xfrm>
+            <a:off x="6007608" y="2750990"/>
+            <a:ext cx="3746214" cy="3746398"/>
+          </a:xfrm>
+          <a:prstGeom prst="rect">
+            <a:avLst/>
+          </a:prstGeom>
+          <a:noFill/>
+          <a:extLst>
+            <a:ext uri="{909E8E84-426E-40DD-AFC4-6F175D3DCCD1}">
+              <a14:hiddenFill xmlns:a14="http://schemas.microsoft.com/office/drawing/2010/main">
+                <a:solidFill>
+                  <a:srgbClr val="FFFFFF"/>
+                </a:solidFill>
+              </a14:hiddenFill>
+            </a:ext>
+          </a:extLst>
+        </p:spPr>
+      </p:pic>
+    </p:spTree>
+    <p:extLst>
+      <p:ext uri="{BB962C8B-B14F-4D97-AF65-F5344CB8AC3E}">
+        <p14:creationId xmlns:p14="http://schemas.microsoft.com/office/powerpoint/2010/main" val="4243036378"/>
+      </p:ext>
+    </p:extLst>
+  </p:cSld>
+  <p:clrMapOvr>
+    <a:masterClrMapping/>
+  </p:clrMapOvr>
+  <mc:AlternateContent xmlns:mc="http://schemas.openxmlformats.org/markup-compatibility/2006" xmlns:p14="http://schemas.microsoft.com/office/powerpoint/2010/main">
+    <mc:Choice Requires="p14">
+      <p:transition spd="med" p14:dur="700">
+        <p:fade/>
+      </p:transition>
+    </mc:Choice>
+    <mc:Fallback xmlns="">
+      <p:transition spd="med">
+        <p:fade/>
+      </p:transition>
+    </mc:Fallback>
+  </mc:AlternateContent>
+</p:sld>
+</file>
+
+<file path=ppt/slides/slide21.xml><?xml version="1.0" encoding="utf-8"?>
+<p:sld xmlns:a="http://schemas.openxmlformats.org/drawingml/2006/main" xmlns:r="http://schemas.openxmlformats.org/officeDocument/2006/relationships" xmlns:p="http://schemas.openxmlformats.org/presentationml/2006/main">
+  <p:cSld>
+    <p:spTree>
+      <p:nvGrpSpPr>
+        <p:cNvPr id="1" name=""/>
+        <p:cNvGrpSpPr/>
+        <p:nvPr/>
+      </p:nvGrpSpPr>
+      <p:grpSpPr>
+        <a:xfrm>
+          <a:off x="0" y="0"/>
+          <a:ext cx="0" cy="0"/>
+          <a:chOff x="0" y="0"/>
+          <a:chExt cx="0" cy="0"/>
+        </a:xfrm>
+      </p:grpSpPr>
+      <p:sp>
+        <p:nvSpPr>
+          <p:cNvPr id="2" name="Title 1">
+            <a:extLst>
+              <a:ext uri="{FF2B5EF4-FFF2-40B4-BE49-F238E27FC236}">
+                <a16:creationId xmlns:a16="http://schemas.microsoft.com/office/drawing/2014/main" id="{ADB27721-D20C-B718-6E71-EF1A8C10A06C}"/>
+              </a:ext>
+            </a:extLst>
+          </p:cNvPr>
+          <p:cNvSpPr>
+            <a:spLocks noGrp="1"/>
+          </p:cNvSpPr>
+          <p:nvPr>
+            <p:ph type="title"/>
+          </p:nvPr>
+        </p:nvSpPr>
+        <p:spPr/>
+        <p:txBody>
+          <a:bodyPr/>
+          <a:lstStyle/>
+          <a:p>
+            <a:r>
+              <a:rPr lang="en-IN" b="1" dirty="0">
                 <a:latin typeface="Times New Roman" panose="02020603050405020304" pitchFamily="18" charset="0"/>
                 <a:cs typeface="Times New Roman" panose="02020603050405020304" pitchFamily="18" charset="0"/>
               </a:rPr>
@@ -13151,20 +13449,20 @@
     </p:spTree>
     <p:extLst>
       <p:ext uri="{BB962C8B-B14F-4D97-AF65-F5344CB8AC3E}">
-        <p14:creationId xmlns:p14="http://schemas.microsoft.com/office/powerpoint/2010/main" val="4243036378"/>
+        <p14:creationId xmlns:p14="http://schemas.microsoft.com/office/powerpoint/2010/main" val="2677853062"/>
       </p:ext>
     </p:extLst>
   </p:cSld>
   <p:clrMapOvr>
     <a:masterClrMapping/>
   </p:clrMapOvr>
-  <mc:AlternateContent xmlns:mc="http://schemas.openxmlformats.org/markup-compatibility/2006">
-    <mc:Choice xmlns:p14="http://schemas.microsoft.com/office/powerpoint/2010/main" Requires="p14">
+  <mc:AlternateContent xmlns:mc="http://schemas.openxmlformats.org/markup-compatibility/2006" xmlns:p14="http://schemas.microsoft.com/office/powerpoint/2010/main">
+    <mc:Choice Requires="p14">
       <p:transition spd="med" p14:dur="700">
         <p:fade/>
       </p:transition>
     </mc:Choice>
-    <mc:Fallback>
+    <mc:Fallback xmlns="">
       <p:transition spd="med">
         <p:fade/>
       </p:transition>
@@ -13173,7 +13471,126 @@
 </p:sld>
 </file>
 
-<file path=ppt/slides/slide21.xml><?xml version="1.0" encoding="utf-8"?>
+<file path=ppt/slides/slide22.xml><?xml version="1.0" encoding="utf-8"?>
+<p:sld xmlns:a="http://schemas.openxmlformats.org/drawingml/2006/main" xmlns:r="http://schemas.openxmlformats.org/officeDocument/2006/relationships" xmlns:p="http://schemas.openxmlformats.org/presentationml/2006/main">
+  <p:cSld>
+    <p:spTree>
+      <p:nvGrpSpPr>
+        <p:cNvPr id="1" name=""/>
+        <p:cNvGrpSpPr/>
+        <p:nvPr/>
+      </p:nvGrpSpPr>
+      <p:grpSpPr>
+        <a:xfrm>
+          <a:off x="0" y="0"/>
+          <a:ext cx="0" cy="0"/>
+          <a:chOff x="0" y="0"/>
+          <a:chExt cx="0" cy="0"/>
+        </a:xfrm>
+      </p:grpSpPr>
+      <p:sp>
+        <p:nvSpPr>
+          <p:cNvPr id="2" name="Title 1">
+            <a:extLst>
+              <a:ext uri="{FF2B5EF4-FFF2-40B4-BE49-F238E27FC236}">
+                <a16:creationId xmlns:a16="http://schemas.microsoft.com/office/drawing/2014/main" id="{BC0E7048-F287-BB19-D62E-04A177D8EE3F}"/>
+              </a:ext>
+            </a:extLst>
+          </p:cNvPr>
+          <p:cNvSpPr>
+            <a:spLocks noGrp="1"/>
+          </p:cNvSpPr>
+          <p:nvPr>
+            <p:ph type="title"/>
+          </p:nvPr>
+        </p:nvSpPr>
+        <p:spPr/>
+        <p:txBody>
+          <a:bodyPr/>
+          <a:lstStyle/>
+          <a:p>
+            <a:r>
+              <a:rPr lang="en-IN" dirty="0"/>
+              <a:t>Interface Tests</a:t>
+            </a:r>
+          </a:p>
+        </p:txBody>
+      </p:sp>
+      <p:pic>
+        <p:nvPicPr>
+          <p:cNvPr id="7170" name="Picture 2" descr="image">
+            <a:extLst>
+              <a:ext uri="{FF2B5EF4-FFF2-40B4-BE49-F238E27FC236}">
+                <a16:creationId xmlns:a16="http://schemas.microsoft.com/office/drawing/2014/main" id="{0C3193FF-436C-12EF-FF93-C092A75E6C6B}"/>
+              </a:ext>
+            </a:extLst>
+          </p:cNvPr>
+          <p:cNvPicPr>
+            <a:picLocks noGrp="1" noChangeAspect="1" noChangeArrowheads="1"/>
+          </p:cNvPicPr>
+          <p:nvPr>
+            <p:ph idx="1"/>
+          </p:nvPr>
+        </p:nvPicPr>
+        <p:blipFill>
+          <a:blip r:embed="rId2">
+            <a:extLst>
+              <a:ext uri="{28A0092B-C50C-407E-A947-70E740481C1C}">
+                <a14:useLocalDpi xmlns:a14="http://schemas.microsoft.com/office/drawing/2010/main" val="0"/>
+              </a:ext>
+            </a:extLst>
+          </a:blip>
+          <a:srcRect/>
+          <a:stretch>
+            <a:fillRect/>
+          </a:stretch>
+        </p:blipFill>
+        <p:spPr bwMode="auto">
+          <a:xfrm>
+            <a:off x="1192716" y="1991699"/>
+            <a:ext cx="9663935" cy="4074805"/>
+          </a:xfrm>
+          <a:prstGeom prst="rect">
+            <a:avLst/>
+          </a:prstGeom>
+          <a:noFill/>
+          <a:extLst>
+            <a:ext uri="{909E8E84-426E-40DD-AFC4-6F175D3DCCD1}">
+              <a14:hiddenFill xmlns:a14="http://schemas.microsoft.com/office/drawing/2010/main">
+                <a:solidFill>
+                  <a:srgbClr val="FFFFFF"/>
+                </a:solidFill>
+              </a14:hiddenFill>
+            </a:ext>
+          </a:extLst>
+        </p:spPr>
+      </p:pic>
+    </p:spTree>
+    <p:extLst>
+      <p:ext uri="{BB962C8B-B14F-4D97-AF65-F5344CB8AC3E}">
+        <p14:creationId xmlns:p14="http://schemas.microsoft.com/office/powerpoint/2010/main" val="1709790608"/>
+      </p:ext>
+    </p:extLst>
+  </p:cSld>
+  <p:clrMapOvr>
+    <a:masterClrMapping/>
+  </p:clrMapOvr>
+  <mc:AlternateContent xmlns:mc="http://schemas.openxmlformats.org/markup-compatibility/2006" xmlns:p14="http://schemas.microsoft.com/office/powerpoint/2010/main">
+    <mc:Choice Requires="p14">
+      <p:transition spd="med" p14:dur="700">
+        <p:fade/>
+      </p:transition>
+    </mc:Choice>
+    <mc:Fallback xmlns="">
+      <p:transition spd="med">
+        <p:fade/>
+      </p:transition>
+    </mc:Fallback>
+  </mc:AlternateContent>
+</p:sld>
+</file>
+
+<file path=ppt/slides/slide23.xml><?xml version="1.0" encoding="utf-8"?>
 <p:sld xmlns:a="http://schemas.openxmlformats.org/drawingml/2006/main" xmlns:r="http://schemas.openxmlformats.org/officeDocument/2006/relationships" xmlns:p="http://schemas.openxmlformats.org/presentationml/2006/main">
   <p:cSld>
     <p:spTree>
@@ -13296,13 +13713,13 @@
   <p:clrMapOvr>
     <a:masterClrMapping/>
   </p:clrMapOvr>
-  <mc:AlternateContent xmlns:mc="http://schemas.openxmlformats.org/markup-compatibility/2006">
-    <mc:Choice xmlns:p14="http://schemas.microsoft.com/office/powerpoint/2010/main" Requires="p14">
+  <mc:AlternateContent xmlns:mc="http://schemas.openxmlformats.org/markup-compatibility/2006" xmlns:p14="http://schemas.microsoft.com/office/powerpoint/2010/main">
+    <mc:Choice Requires="p14">
       <p:transition spd="med" p14:dur="700">
         <p:fade/>
       </p:transition>
     </mc:Choice>
-    <mc:Fallback>
+    <mc:Fallback xmlns="">
       <p:transition spd="med">
         <p:fade/>
       </p:transition>
@@ -13311,7 +13728,7 @@
 </p:sld>
 </file>
 
-<file path=ppt/slides/slide22.xml><?xml version="1.0" encoding="utf-8"?>
+<file path=ppt/slides/slide24.xml><?xml version="1.0" encoding="utf-8"?>
 <p:sld xmlns:a="http://schemas.openxmlformats.org/drawingml/2006/main" xmlns:r="http://schemas.openxmlformats.org/officeDocument/2006/relationships" xmlns:p="http://schemas.openxmlformats.org/presentationml/2006/main">
   <p:cSld>
     <p:bg>
@@ -13396,13 +13813,13 @@
   <p:clrMapOvr>
     <a:masterClrMapping/>
   </p:clrMapOvr>
-  <mc:AlternateContent xmlns:mc="http://schemas.openxmlformats.org/markup-compatibility/2006">
-    <mc:Choice xmlns:p14="http://schemas.microsoft.com/office/powerpoint/2010/main" Requires="p14">
+  <mc:AlternateContent xmlns:mc="http://schemas.openxmlformats.org/markup-compatibility/2006" xmlns:p14="http://schemas.microsoft.com/office/powerpoint/2010/main">
+    <mc:Choice Requires="p14">
       <p:transition spd="med" p14:dur="700">
         <p:fade/>
       </p:transition>
     </mc:Choice>
-    <mc:Fallback>
+    <mc:Fallback xmlns="">
       <p:transition spd="med">
         <p:fade/>
       </p:transition>
@@ -13531,13 +13948,13 @@
   <p:clrMapOvr>
     <a:masterClrMapping/>
   </p:clrMapOvr>
-  <mc:AlternateContent xmlns:mc="http://schemas.openxmlformats.org/markup-compatibility/2006">
-    <mc:Choice xmlns:p14="http://schemas.microsoft.com/office/powerpoint/2010/main" Requires="p14">
+  <mc:AlternateContent xmlns:mc="http://schemas.openxmlformats.org/markup-compatibility/2006" xmlns:p14="http://schemas.microsoft.com/office/powerpoint/2010/main">
+    <mc:Choice Requires="p14">
       <p:transition spd="med" p14:dur="700">
         <p:fade/>
       </p:transition>
     </mc:Choice>
-    <mc:Fallback>
+    <mc:Fallback xmlns="">
       <p:transition spd="med">
         <p:fade/>
       </p:transition>
@@ -13657,13 +14074,13 @@
   <p:clrMapOvr>
     <a:masterClrMapping/>
   </p:clrMapOvr>
-  <mc:AlternateContent xmlns:mc="http://schemas.openxmlformats.org/markup-compatibility/2006">
-    <mc:Choice xmlns:p14="http://schemas.microsoft.com/office/powerpoint/2010/main" Requires="p14">
+  <mc:AlternateContent xmlns:mc="http://schemas.openxmlformats.org/markup-compatibility/2006" xmlns:p14="http://schemas.microsoft.com/office/powerpoint/2010/main">
+    <mc:Choice Requires="p14">
       <p:transition spd="med" p14:dur="700">
         <p:fade/>
       </p:transition>
     </mc:Choice>
-    <mc:Fallback>
+    <mc:Fallback xmlns="">
       <p:transition spd="med">
         <p:fade/>
       </p:transition>
@@ -13767,13 +14184,13 @@
   <p:clrMapOvr>
     <a:masterClrMapping/>
   </p:clrMapOvr>
-  <mc:AlternateContent xmlns:mc="http://schemas.openxmlformats.org/markup-compatibility/2006">
-    <mc:Choice xmlns:p14="http://schemas.microsoft.com/office/powerpoint/2010/main" Requires="p14">
+  <mc:AlternateContent xmlns:mc="http://schemas.openxmlformats.org/markup-compatibility/2006" xmlns:p14="http://schemas.microsoft.com/office/powerpoint/2010/main">
+    <mc:Choice Requires="p14">
       <p:transition spd="med" p14:dur="700">
         <p:fade/>
       </p:transition>
     </mc:Choice>
-    <mc:Fallback>
+    <mc:Fallback xmlns="">
       <p:transition spd="med">
         <p:fade/>
       </p:transition>
@@ -13886,13 +14303,13 @@
   <p:clrMapOvr>
     <a:masterClrMapping/>
   </p:clrMapOvr>
-  <mc:AlternateContent xmlns:mc="http://schemas.openxmlformats.org/markup-compatibility/2006">
-    <mc:Choice xmlns:p14="http://schemas.microsoft.com/office/powerpoint/2010/main" Requires="p14">
+  <mc:AlternateContent xmlns:mc="http://schemas.openxmlformats.org/markup-compatibility/2006" xmlns:p14="http://schemas.microsoft.com/office/powerpoint/2010/main">
+    <mc:Choice Requires="p14">
       <p:transition spd="med" p14:dur="700">
         <p:fade/>
       </p:transition>
     </mc:Choice>
-    <mc:Fallback>
+    <mc:Fallback xmlns="">
       <p:transition spd="med">
         <p:fade/>
       </p:transition>
@@ -13940,7 +14357,7 @@
           <a:lstStyle/>
           <a:p>
             <a:r>
-              <a:rPr lang="en-IN"/>
+              <a:rPr lang="en-IN" dirty="0"/>
               <a:t>Constraints and Parametric Diagrams</a:t>
             </a:r>
           </a:p>
@@ -14052,13 +14469,13 @@
   <p:clrMapOvr>
     <a:masterClrMapping/>
   </p:clrMapOvr>
-  <mc:AlternateContent xmlns:mc="http://schemas.openxmlformats.org/markup-compatibility/2006">
-    <mc:Choice xmlns:p14="http://schemas.microsoft.com/office/powerpoint/2010/main" Requires="p14">
+  <mc:AlternateContent xmlns:mc="http://schemas.openxmlformats.org/markup-compatibility/2006" xmlns:p14="http://schemas.microsoft.com/office/powerpoint/2010/main">
+    <mc:Choice Requires="p14">
       <p:transition spd="med" p14:dur="700">
         <p:fade/>
       </p:transition>
     </mc:Choice>
-    <mc:Fallback>
+    <mc:Fallback xmlns="">
       <p:transition spd="med">
         <p:fade/>
       </p:transition>
@@ -14153,13 +14570,13 @@
   <p:clrMapOvr>
     <a:masterClrMapping/>
   </p:clrMapOvr>
-  <mc:AlternateContent xmlns:mc="http://schemas.openxmlformats.org/markup-compatibility/2006">
-    <mc:Choice xmlns:p14="http://schemas.microsoft.com/office/powerpoint/2010/main" Requires="p14">
+  <mc:AlternateContent xmlns:mc="http://schemas.openxmlformats.org/markup-compatibility/2006" xmlns:p14="http://schemas.microsoft.com/office/powerpoint/2010/main">
+    <mc:Choice Requires="p14">
       <p:transition spd="med" p14:dur="700">
         <p:fade/>
       </p:transition>
     </mc:Choice>
-    <mc:Fallback>
+    <mc:Fallback xmlns="">
       <p:transition spd="med">
         <p:fade/>
       </p:transition>
@@ -14256,10 +14673,10 @@
       </p:sp>
       <p:pic>
         <p:nvPicPr>
-          <p:cNvPr id="2050" name="Picture 2" descr="image">
+          <p:cNvPr id="2052" name="Picture 4" descr="image">
             <a:extLst>
               <a:ext uri="{FF2B5EF4-FFF2-40B4-BE49-F238E27FC236}">
-                <a16:creationId xmlns:a16="http://schemas.microsoft.com/office/drawing/2014/main" id="{8EC1ED04-FC36-2489-BB3D-EAD6F6E630B6}"/>
+                <a16:creationId xmlns:a16="http://schemas.microsoft.com/office/drawing/2014/main" id="{2073B117-200D-BF36-A4CD-C80841EBD81F}"/>
               </a:ext>
             </a:extLst>
           </p:cNvPr>
@@ -14283,8 +14700,8 @@
         </p:blipFill>
         <p:spPr bwMode="auto">
           <a:xfrm>
-            <a:off x="2305665" y="1919783"/>
-            <a:ext cx="7788431" cy="4540011"/>
+            <a:off x="2123767" y="1914146"/>
+            <a:ext cx="8249265" cy="4887783"/>
           </a:xfrm>
           <a:prstGeom prst="rect">
             <a:avLst/>
@@ -14311,13 +14728,13 @@
   <p:clrMapOvr>
     <a:masterClrMapping/>
   </p:clrMapOvr>
-  <mc:AlternateContent xmlns:mc="http://schemas.openxmlformats.org/markup-compatibility/2006">
-    <mc:Choice xmlns:p14="http://schemas.microsoft.com/office/powerpoint/2010/main" Requires="p14">
+  <mc:AlternateContent xmlns:mc="http://schemas.openxmlformats.org/markup-compatibility/2006" xmlns:p14="http://schemas.microsoft.com/office/powerpoint/2010/main">
+    <mc:Choice Requires="p14">
       <p:transition spd="med" p14:dur="700">
         <p:fade/>
       </p:transition>
     </mc:Choice>
-    <mc:Fallback>
+    <mc:Fallback xmlns="">
       <p:transition spd="med">
         <p:fade/>
       </p:transition>
